--- a/2020/cursos/informatica/docs/Clase virtual Espera Informatica.pptx
+++ b/2020/cursos/informatica/docs/Clase virtual Espera Informatica.pptx
@@ -5,16 +5,13 @@
     <p:sldMasterId id="2147483812" r:id="rId4"/>
   </p:sldMasterIdLst>
   <p:notesMasterIdLst>
-    <p:notesMasterId r:id="rId9"/>
+    <p:notesMasterId r:id="rId6"/>
   </p:notesMasterIdLst>
   <p:handoutMasterIdLst>
-    <p:handoutMasterId r:id="rId10"/>
+    <p:handoutMasterId r:id="rId7"/>
   </p:handoutMasterIdLst>
   <p:sldIdLst>
     <p:sldId id="262" r:id="rId5"/>
-    <p:sldId id="263" r:id="rId6"/>
-    <p:sldId id="265" r:id="rId7"/>
-    <p:sldId id="264" r:id="rId8"/>
   </p:sldIdLst>
   <p:sldSz cx="12192000" cy="6858000"/>
   <p:notesSz cx="6858000" cy="9144000"/>
@@ -218,7 +215,7 @@
           <a:p>
             <a:fld id="{34AA17DB-72A2-43D6-BF69-A136FC65D779}" type="datetime1">
               <a:rPr lang="es-ES" smtClean="0"/>
-              <a:t>02/06/2020</a:t>
+              <a:t>23/07/2020</a:t>
             </a:fld>
             <a:endParaRPr lang="es-ES"/>
           </a:p>
@@ -398,7 +395,7 @@
             <a:pPr rtl="0"/>
             <a:fld id="{6CC543DD-464E-4673-A57A-E618FCDF50CF}" type="datetime1">
               <a:rPr lang="es-ES" noProof="0" smtClean="0"/>
-              <a:t>02/06/2020</a:t>
+              <a:t>23/07/2020</a:t>
             </a:fld>
             <a:endParaRPr lang="es-ES" noProof="0"/>
           </a:p>
@@ -754,261 +751,6 @@
 </p:notes>
 </file>
 
-<file path=ppt/notesSlides/notesSlide2.xml><?xml version="1.0" encoding="utf-8"?>
-<p:notes xmlns:a="http://schemas.openxmlformats.org/drawingml/2006/main" xmlns:r="http://schemas.openxmlformats.org/officeDocument/2006/relationships" xmlns:p="http://schemas.openxmlformats.org/presentationml/2006/main">
-  <p:cSld>
-    <p:spTree>
-      <p:nvGrpSpPr>
-        <p:cNvPr id="1" name=""/>
-        <p:cNvGrpSpPr/>
-        <p:nvPr/>
-      </p:nvGrpSpPr>
-      <p:grpSpPr>
-        <a:xfrm>
-          <a:off x="0" y="0"/>
-          <a:ext cx="0" cy="0"/>
-          <a:chOff x="0" y="0"/>
-          <a:chExt cx="0" cy="0"/>
-        </a:xfrm>
-      </p:grpSpPr>
-      <p:sp>
-        <p:nvSpPr>
-          <p:cNvPr id="2" name="Marcador de imagen de diapositiva 1"/>
-          <p:cNvSpPr>
-            <a:spLocks noGrp="1" noRot="1" noChangeAspect="1"/>
-          </p:cNvSpPr>
-          <p:nvPr>
-            <p:ph type="sldImg"/>
-          </p:nvPr>
-        </p:nvSpPr>
-        <p:spPr/>
-      </p:sp>
-      <p:sp>
-        <p:nvSpPr>
-          <p:cNvPr id="3" name="Marcador de notas 2"/>
-          <p:cNvSpPr>
-            <a:spLocks noGrp="1"/>
-          </p:cNvSpPr>
-          <p:nvPr>
-            <p:ph type="body" idx="1"/>
-          </p:nvPr>
-        </p:nvSpPr>
-        <p:spPr/>
-        <p:txBody>
-          <a:bodyPr/>
-          <a:lstStyle/>
-          <a:p>
-            <a:endParaRPr lang="es-ES"/>
-          </a:p>
-        </p:txBody>
-      </p:sp>
-      <p:sp>
-        <p:nvSpPr>
-          <p:cNvPr id="4" name="Marcador de número de diapositiva 3"/>
-          <p:cNvSpPr>
-            <a:spLocks noGrp="1"/>
-          </p:cNvSpPr>
-          <p:nvPr>
-            <p:ph type="sldNum" sz="quarter" idx="5"/>
-          </p:nvPr>
-        </p:nvSpPr>
-        <p:spPr/>
-        <p:txBody>
-          <a:bodyPr/>
-          <a:lstStyle/>
-          <a:p>
-            <a:pPr rtl="0"/>
-            <a:fld id="{5E8C15C5-0688-5345-99FC-721E08AD15D5}" type="slidenum">
-              <a:rPr lang="es-ES" smtClean="0"/>
-              <a:t>2</a:t>
-            </a:fld>
-            <a:endParaRPr lang="es-ES"/>
-          </a:p>
-        </p:txBody>
-      </p:sp>
-    </p:spTree>
-    <p:extLst>
-      <p:ext uri="{BB962C8B-B14F-4D97-AF65-F5344CB8AC3E}">
-        <p14:creationId xmlns:p14="http://schemas.microsoft.com/office/powerpoint/2010/main" val="3295349294"/>
-      </p:ext>
-    </p:extLst>
-  </p:cSld>
-  <p:clrMapOvr>
-    <a:masterClrMapping/>
-  </p:clrMapOvr>
-</p:notes>
-</file>
-
-<file path=ppt/notesSlides/notesSlide3.xml><?xml version="1.0" encoding="utf-8"?>
-<p:notes xmlns:a="http://schemas.openxmlformats.org/drawingml/2006/main" xmlns:r="http://schemas.openxmlformats.org/officeDocument/2006/relationships" xmlns:p="http://schemas.openxmlformats.org/presentationml/2006/main">
-  <p:cSld>
-    <p:spTree>
-      <p:nvGrpSpPr>
-        <p:cNvPr id="1" name=""/>
-        <p:cNvGrpSpPr/>
-        <p:nvPr/>
-      </p:nvGrpSpPr>
-      <p:grpSpPr>
-        <a:xfrm>
-          <a:off x="0" y="0"/>
-          <a:ext cx="0" cy="0"/>
-          <a:chOff x="0" y="0"/>
-          <a:chExt cx="0" cy="0"/>
-        </a:xfrm>
-      </p:grpSpPr>
-      <p:sp>
-        <p:nvSpPr>
-          <p:cNvPr id="2" name="Marcador de imagen de diapositiva 1"/>
-          <p:cNvSpPr>
-            <a:spLocks noGrp="1" noRot="1" noChangeAspect="1"/>
-          </p:cNvSpPr>
-          <p:nvPr>
-            <p:ph type="sldImg"/>
-          </p:nvPr>
-        </p:nvSpPr>
-        <p:spPr/>
-      </p:sp>
-      <p:sp>
-        <p:nvSpPr>
-          <p:cNvPr id="3" name="Marcador de notas 2"/>
-          <p:cNvSpPr>
-            <a:spLocks noGrp="1"/>
-          </p:cNvSpPr>
-          <p:nvPr>
-            <p:ph type="body" idx="1"/>
-          </p:nvPr>
-        </p:nvSpPr>
-        <p:spPr/>
-        <p:txBody>
-          <a:bodyPr/>
-          <a:lstStyle/>
-          <a:p>
-            <a:endParaRPr lang="es-ES"/>
-          </a:p>
-        </p:txBody>
-      </p:sp>
-      <p:sp>
-        <p:nvSpPr>
-          <p:cNvPr id="4" name="Marcador de número de diapositiva 3"/>
-          <p:cNvSpPr>
-            <a:spLocks noGrp="1"/>
-          </p:cNvSpPr>
-          <p:nvPr>
-            <p:ph type="sldNum" sz="quarter" idx="5"/>
-          </p:nvPr>
-        </p:nvSpPr>
-        <p:spPr/>
-        <p:txBody>
-          <a:bodyPr/>
-          <a:lstStyle/>
-          <a:p>
-            <a:pPr rtl="0"/>
-            <a:fld id="{5E8C15C5-0688-5345-99FC-721E08AD15D5}" type="slidenum">
-              <a:rPr lang="es-ES" smtClean="0"/>
-              <a:t>3</a:t>
-            </a:fld>
-            <a:endParaRPr lang="es-ES"/>
-          </a:p>
-        </p:txBody>
-      </p:sp>
-    </p:spTree>
-    <p:extLst>
-      <p:ext uri="{BB962C8B-B14F-4D97-AF65-F5344CB8AC3E}">
-        <p14:creationId xmlns:p14="http://schemas.microsoft.com/office/powerpoint/2010/main" val="431706103"/>
-      </p:ext>
-    </p:extLst>
-  </p:cSld>
-  <p:clrMapOvr>
-    <a:masterClrMapping/>
-  </p:clrMapOvr>
-</p:notes>
-</file>
-
-<file path=ppt/notesSlides/notesSlide4.xml><?xml version="1.0" encoding="utf-8"?>
-<p:notes xmlns:a="http://schemas.openxmlformats.org/drawingml/2006/main" xmlns:r="http://schemas.openxmlformats.org/officeDocument/2006/relationships" xmlns:p="http://schemas.openxmlformats.org/presentationml/2006/main">
-  <p:cSld>
-    <p:spTree>
-      <p:nvGrpSpPr>
-        <p:cNvPr id="1" name=""/>
-        <p:cNvGrpSpPr/>
-        <p:nvPr/>
-      </p:nvGrpSpPr>
-      <p:grpSpPr>
-        <a:xfrm>
-          <a:off x="0" y="0"/>
-          <a:ext cx="0" cy="0"/>
-          <a:chOff x="0" y="0"/>
-          <a:chExt cx="0" cy="0"/>
-        </a:xfrm>
-      </p:grpSpPr>
-      <p:sp>
-        <p:nvSpPr>
-          <p:cNvPr id="2" name="Marcador de imagen de diapositiva 1"/>
-          <p:cNvSpPr>
-            <a:spLocks noGrp="1" noRot="1" noChangeAspect="1"/>
-          </p:cNvSpPr>
-          <p:nvPr>
-            <p:ph type="sldImg"/>
-          </p:nvPr>
-        </p:nvSpPr>
-        <p:spPr/>
-      </p:sp>
-      <p:sp>
-        <p:nvSpPr>
-          <p:cNvPr id="3" name="Marcador de notas 2"/>
-          <p:cNvSpPr>
-            <a:spLocks noGrp="1"/>
-          </p:cNvSpPr>
-          <p:nvPr>
-            <p:ph type="body" idx="1"/>
-          </p:nvPr>
-        </p:nvSpPr>
-        <p:spPr/>
-        <p:txBody>
-          <a:bodyPr/>
-          <a:lstStyle/>
-          <a:p>
-            <a:endParaRPr lang="es-ES"/>
-          </a:p>
-        </p:txBody>
-      </p:sp>
-      <p:sp>
-        <p:nvSpPr>
-          <p:cNvPr id="4" name="Marcador de número de diapositiva 3"/>
-          <p:cNvSpPr>
-            <a:spLocks noGrp="1"/>
-          </p:cNvSpPr>
-          <p:nvPr>
-            <p:ph type="sldNum" sz="quarter" idx="5"/>
-          </p:nvPr>
-        </p:nvSpPr>
-        <p:spPr/>
-        <p:txBody>
-          <a:bodyPr/>
-          <a:lstStyle/>
-          <a:p>
-            <a:pPr rtl="0"/>
-            <a:fld id="{5E8C15C5-0688-5345-99FC-721E08AD15D5}" type="slidenum">
-              <a:rPr lang="es-ES" smtClean="0"/>
-              <a:t>4</a:t>
-            </a:fld>
-            <a:endParaRPr lang="es-ES"/>
-          </a:p>
-        </p:txBody>
-      </p:sp>
-    </p:spTree>
-    <p:extLst>
-      <p:ext uri="{BB962C8B-B14F-4D97-AF65-F5344CB8AC3E}">
-        <p14:creationId xmlns:p14="http://schemas.microsoft.com/office/powerpoint/2010/main" val="4223161933"/>
-      </p:ext>
-    </p:extLst>
-  </p:cSld>
-  <p:clrMapOvr>
-    <a:masterClrMapping/>
-  </p:clrMapOvr>
-</p:notes>
-</file>
-
 <file path=ppt/slideLayouts/slideLayout1.xml><?xml version="1.0" encoding="utf-8"?>
 <p:sldLayout xmlns:a="http://schemas.openxmlformats.org/drawingml/2006/main" xmlns:r="http://schemas.openxmlformats.org/officeDocument/2006/relationships" xmlns:p="http://schemas.openxmlformats.org/presentationml/2006/main" type="title" preserve="1">
   <p:cSld name="Diapositiva del título">
@@ -1212,7 +954,7 @@
             <a:pPr rtl="0"/>
             <a:fld id="{2D8BE151-2248-4821-842E-7322E4A6D57F}" type="datetime1">
               <a:rPr lang="es-ES" noProof="0" smtClean="0"/>
-              <a:t>02/06/2020</a:t>
+              <a:t>23/07/2020</a:t>
             </a:fld>
             <a:endParaRPr lang="es-ES" noProof="0"/>
           </a:p>
@@ -1507,7 +1249,7 @@
             <a:pPr rtl="0"/>
             <a:fld id="{B8444487-007C-40A4-9F60-6A6E73573E7F}" type="datetime1">
               <a:rPr lang="es-ES" noProof="0" smtClean="0"/>
-              <a:t>02/06/2020</a:t>
+              <a:t>23/07/2020</a:t>
             </a:fld>
             <a:endParaRPr lang="es-ES" noProof="0"/>
           </a:p>
@@ -1759,7 +1501,7 @@
             <a:pPr rtl="0"/>
             <a:fld id="{84520280-06E2-43C5-88DD-12726B6572FB}" type="datetime1">
               <a:rPr lang="es-ES" noProof="0" smtClean="0"/>
-              <a:t>02/06/2020</a:t>
+              <a:t>23/07/2020</a:t>
             </a:fld>
             <a:endParaRPr lang="es-ES" noProof="0"/>
           </a:p>
@@ -2299,7 +2041,7 @@
             <a:pPr rtl="0"/>
             <a:fld id="{0C664840-1829-469B-BE30-8D5ACDC84DF3}" type="datetime1">
               <a:rPr lang="es-ES" noProof="0" smtClean="0"/>
-              <a:t>02/06/2020</a:t>
+              <a:t>23/07/2020</a:t>
             </a:fld>
             <a:endParaRPr lang="es-ES" noProof="0"/>
           </a:p>
@@ -2551,7 +2293,7 @@
             <a:pPr rtl="0"/>
             <a:fld id="{3E924D5A-D756-413B-AC7D-79AFAE11178F}" type="datetime1">
               <a:rPr lang="es-ES" noProof="0" smtClean="0"/>
-              <a:t>02/06/2020</a:t>
+              <a:t>23/07/2020</a:t>
             </a:fld>
             <a:endParaRPr lang="es-ES" noProof="0"/>
           </a:p>
@@ -3098,7 +2840,7 @@
             <a:pPr rtl="0"/>
             <a:fld id="{AB47BC79-2BF0-42F0-8EC7-4E30758276A0}" type="datetime1">
               <a:rPr lang="es-ES" noProof="0" smtClean="0"/>
-              <a:t>02/06/2020</a:t>
+              <a:t>23/07/2020</a:t>
             </a:fld>
             <a:endParaRPr lang="es-ES" noProof="0"/>
           </a:p>
@@ -3411,7 +3153,7 @@
             <a:pPr rtl="0"/>
             <a:fld id="{99E3D2F5-1ADA-44D4-8E12-071F68BE1FE8}" type="datetime1">
               <a:rPr lang="es-ES" noProof="0" smtClean="0"/>
-              <a:t>02/06/2020</a:t>
+              <a:t>23/07/2020</a:t>
             </a:fld>
             <a:endParaRPr lang="es-ES" noProof="0"/>
           </a:p>
@@ -3593,7 +3335,7 @@
             <a:pPr rtl="0"/>
             <a:fld id="{B4CB7895-2F71-41F2-B822-59864C66BC54}" type="datetime1">
               <a:rPr lang="es-ES" noProof="0" smtClean="0"/>
-              <a:t>02/06/2020</a:t>
+              <a:t>23/07/2020</a:t>
             </a:fld>
             <a:endParaRPr lang="es-ES" noProof="0"/>
           </a:p>
@@ -3780,7 +3522,7 @@
             <a:pPr rtl="0"/>
             <a:fld id="{A84E41B1-6677-44CA-AF50-35FA1F499DD5}" type="datetime1">
               <a:rPr lang="es-ES" noProof="0" smtClean="0"/>
-              <a:t>02/06/2020</a:t>
+              <a:t>23/07/2020</a:t>
             </a:fld>
             <a:endParaRPr lang="es-ES" noProof="0"/>
           </a:p>
@@ -3957,7 +3699,7 @@
             <a:pPr rtl="0"/>
             <a:fld id="{FEA57546-CB8A-4887-A51A-6AFB94E74D9C}" type="datetime1">
               <a:rPr lang="es-ES" noProof="0" smtClean="0"/>
-              <a:t>02/06/2020</a:t>
+              <a:t>23/07/2020</a:t>
             </a:fld>
             <a:endParaRPr lang="es-ES" noProof="0"/>
           </a:p>
@@ -4207,7 +3949,7 @@
             <a:pPr rtl="0"/>
             <a:fld id="{5BC374BA-6EDA-4321-9221-D60BD18F7FDC}" type="datetime1">
               <a:rPr lang="es-ES" noProof="0" smtClean="0"/>
-              <a:t>02/06/2020</a:t>
+              <a:t>23/07/2020</a:t>
             </a:fld>
             <a:endParaRPr lang="es-ES" noProof="0"/>
           </a:p>
@@ -4501,7 +4243,7 @@
             <a:pPr rtl="0"/>
             <a:fld id="{BCD2E1C0-EF79-4422-82D2-15C9FCDFB66B}" type="datetime1">
               <a:rPr lang="es-ES" noProof="0" smtClean="0"/>
-              <a:t>02/06/2020</a:t>
+              <a:t>23/07/2020</a:t>
             </a:fld>
             <a:endParaRPr lang="es-ES" noProof="0"/>
           </a:p>
@@ -4933,7 +4675,7 @@
             <a:pPr rtl="0"/>
             <a:fld id="{278A6CE7-1B28-44C9-A58F-36EC48EEF0AD}" type="datetime1">
               <a:rPr lang="es-ES" noProof="0" smtClean="0"/>
-              <a:t>02/06/2020</a:t>
+              <a:t>23/07/2020</a:t>
             </a:fld>
             <a:endParaRPr lang="es-ES" noProof="0"/>
           </a:p>
@@ -5060,7 +4802,7 @@
             <a:pPr rtl="0"/>
             <a:fld id="{6AD34CAD-0E79-4C2F-B6C6-329371A1AB6F}" type="datetime1">
               <a:rPr lang="es-ES" noProof="0" smtClean="0"/>
-              <a:t>02/06/2020</a:t>
+              <a:t>23/07/2020</a:t>
             </a:fld>
             <a:endParaRPr lang="es-ES" noProof="0"/>
           </a:p>
@@ -5159,7 +4901,7 @@
             <a:pPr rtl="0"/>
             <a:fld id="{4BE872A2-DECC-470E-91E8-E96B09B12F5C}" type="datetime1">
               <a:rPr lang="es-ES" noProof="0" smtClean="0"/>
-              <a:t>02/06/2020</a:t>
+              <a:t>23/07/2020</a:t>
             </a:fld>
             <a:endParaRPr lang="es-ES" noProof="0"/>
           </a:p>
@@ -5445,7 +5187,7 @@
             <a:pPr rtl="0"/>
             <a:fld id="{716F8101-C3C2-4D37-BA1D-F3C026736CBF}" type="datetime1">
               <a:rPr lang="es-ES" noProof="0" smtClean="0"/>
-              <a:t>02/06/2020</a:t>
+              <a:t>23/07/2020</a:t>
             </a:fld>
             <a:endParaRPr lang="es-ES" noProof="0"/>
           </a:p>
@@ -5740,7 +5482,7 @@
             <a:pPr rtl="0"/>
             <a:fld id="{D7FD6B96-577D-4D35-AD52-F1B24D45EF82}" type="datetime1">
               <a:rPr lang="es-ES" noProof="0" smtClean="0"/>
-              <a:t>02/06/2020</a:t>
+              <a:t>23/07/2020</a:t>
             </a:fld>
             <a:endParaRPr lang="es-ES" noProof="0"/>
           </a:p>
@@ -5974,7 +5716,7 @@
             <a:pPr rtl="0"/>
             <a:fld id="{DA5A5905-E371-4D31-8BE9-D5B391D94305}" type="datetime1">
               <a:rPr lang="es-ES" noProof="0" smtClean="0"/>
-              <a:t>02/06/2020</a:t>
+              <a:t>23/07/2020</a:t>
             </a:fld>
             <a:endParaRPr lang="es-ES" noProof="0"/>
           </a:p>
@@ -6774,677 +6516,6 @@
     <p:extLst>
       <p:ext uri="{BB962C8B-B14F-4D97-AF65-F5344CB8AC3E}">
         <p14:creationId xmlns:p14="http://schemas.microsoft.com/office/powerpoint/2010/main" val="814101911"/>
-      </p:ext>
-    </p:extLst>
-  </p:cSld>
-  <p:clrMapOvr>
-    <a:masterClrMapping/>
-  </p:clrMapOvr>
-</p:sld>
-</file>
-
-<file path=ppt/slides/slide2.xml><?xml version="1.0" encoding="utf-8"?>
-<p:sld xmlns:a="http://schemas.openxmlformats.org/drawingml/2006/main" xmlns:r="http://schemas.openxmlformats.org/officeDocument/2006/relationships" xmlns:p="http://schemas.openxmlformats.org/presentationml/2006/main">
-  <p:cSld>
-    <p:bg>
-      <p:bgPr>
-        <a:blipFill rotWithShape="1">
-          <a:blip r:embed="rId3">
-            <a:duotone>
-              <a:schemeClr val="bg2">
-                <a:shade val="28000"/>
-                <a:satMod val="94000"/>
-                <a:lumMod val="20000"/>
-              </a:schemeClr>
-              <a:schemeClr val="bg2">
-                <a:tint val="94000"/>
-                <a:shade val="84000"/>
-                <a:satMod val="148000"/>
-                <a:lumMod val="114000"/>
-              </a:schemeClr>
-            </a:duotone>
-          </a:blip>
-          <a:stretch/>
-        </a:blipFill>
-        <a:effectLst/>
-      </p:bgPr>
-    </p:bg>
-    <p:spTree>
-      <p:nvGrpSpPr>
-        <p:cNvPr id="1" name=""/>
-        <p:cNvGrpSpPr/>
-        <p:nvPr/>
-      </p:nvGrpSpPr>
-      <p:grpSpPr>
-        <a:xfrm>
-          <a:off x="0" y="0"/>
-          <a:ext cx="0" cy="0"/>
-          <a:chOff x="0" y="0"/>
-          <a:chExt cx="0" cy="0"/>
-        </a:xfrm>
-      </p:grpSpPr>
-      <p:pic>
-        <p:nvPicPr>
-          <p:cNvPr id="8" name="Imagen 7" descr="estudiantes mirando por un microscopio">
-            <a:extLst>
-              <a:ext uri="{FF2B5EF4-FFF2-40B4-BE49-F238E27FC236}">
-                <a16:creationId xmlns:a16="http://schemas.microsoft.com/office/drawing/2014/main" id="{082DAC18-E623-0546-920C-6676DF6BBA3F}"/>
-              </a:ext>
-            </a:extLst>
-          </p:cNvPr>
-          <p:cNvPicPr>
-            <a:picLocks noChangeAspect="1"/>
-          </p:cNvPicPr>
-          <p:nvPr/>
-        </p:nvPicPr>
-        <p:blipFill rotWithShape="1">
-          <a:blip r:embed="rId4" cstate="print">
-            <a:duotone>
-              <a:prstClr val="black"/>
-              <a:schemeClr val="bg1">
-                <a:tint val="45000"/>
-                <a:satMod val="400000"/>
-              </a:schemeClr>
-            </a:duotone>
-            <a:alphaModFix amt="25000"/>
-            <a:extLst>
-              <a:ext uri="{28A0092B-C50C-407E-A947-70E740481C1C}">
-                <a14:useLocalDpi xmlns:a14="http://schemas.microsoft.com/office/drawing/2010/main"/>
-              </a:ext>
-            </a:extLst>
-          </a:blip>
-          <a:srcRect/>
-          <a:stretch/>
-        </p:blipFill>
-        <p:spPr>
-          <a:xfrm>
-            <a:off x="20" y="0"/>
-            <a:ext cx="12191980" cy="6857990"/>
-          </a:xfrm>
-          <a:prstGeom prst="rect">
-            <a:avLst/>
-          </a:prstGeom>
-        </p:spPr>
-      </p:pic>
-      <p:pic>
-        <p:nvPicPr>
-          <p:cNvPr id="2056" name="Picture 8">
-            <a:extLst>
-              <a:ext uri="{FF2B5EF4-FFF2-40B4-BE49-F238E27FC236}">
-                <a16:creationId xmlns:a16="http://schemas.microsoft.com/office/drawing/2014/main" id="{E8F7A0B1-87AA-48DA-B85E-DDFE1AC48AF6}"/>
-              </a:ext>
-            </a:extLst>
-          </p:cNvPr>
-          <p:cNvPicPr>
-            <a:picLocks noChangeAspect="1" noChangeArrowheads="1"/>
-          </p:cNvPicPr>
-          <p:nvPr/>
-        </p:nvPicPr>
-        <p:blipFill rotWithShape="1">
-          <a:blip r:embed="rId5">
-            <a:extLst>
-              <a:ext uri="{28A0092B-C50C-407E-A947-70E740481C1C}">
-                <a14:useLocalDpi xmlns:a14="http://schemas.microsoft.com/office/drawing/2010/main" val="0"/>
-              </a:ext>
-            </a:extLst>
-          </a:blip>
-          <a:srcRect l="15567" t="27561" r="12271" b="32439"/>
-          <a:stretch/>
-        </p:blipFill>
-        <p:spPr bwMode="auto">
-          <a:xfrm>
-            <a:off x="203200" y="228600"/>
-            <a:ext cx="5003800" cy="1562100"/>
-          </a:xfrm>
-          <a:prstGeom prst="rect">
-            <a:avLst/>
-          </a:prstGeom>
-          <a:noFill/>
-          <a:extLst>
-            <a:ext uri="{909E8E84-426E-40DD-AFC4-6F175D3DCCD1}">
-              <a14:hiddenFill xmlns:a14="http://schemas.microsoft.com/office/drawing/2010/main">
-                <a:solidFill>
-                  <a:srgbClr val="FFFFFF"/>
-                </a:solidFill>
-              </a14:hiddenFill>
-            </a:ext>
-          </a:extLst>
-        </p:spPr>
-      </p:pic>
-      <p:pic>
-        <p:nvPicPr>
-          <p:cNvPr id="2058" name="Picture 10">
-            <a:extLst>
-              <a:ext uri="{FF2B5EF4-FFF2-40B4-BE49-F238E27FC236}">
-                <a16:creationId xmlns:a16="http://schemas.microsoft.com/office/drawing/2014/main" id="{8F91C3E5-A0F0-4896-873E-1078B29F79A1}"/>
-              </a:ext>
-            </a:extLst>
-          </p:cNvPr>
-          <p:cNvPicPr>
-            <a:picLocks noChangeAspect="1" noChangeArrowheads="1"/>
-          </p:cNvPicPr>
-          <p:nvPr/>
-        </p:nvPicPr>
-        <p:blipFill>
-          <a:blip r:embed="rId6">
-            <a:extLst>
-              <a:ext uri="{28A0092B-C50C-407E-A947-70E740481C1C}">
-                <a14:useLocalDpi xmlns:a14="http://schemas.microsoft.com/office/drawing/2010/main" val="0"/>
-              </a:ext>
-            </a:extLst>
-          </a:blip>
-          <a:srcRect/>
-          <a:stretch>
-            <a:fillRect/>
-          </a:stretch>
-        </p:blipFill>
-        <p:spPr bwMode="auto">
-          <a:xfrm>
-            <a:off x="241300" y="2159000"/>
-            <a:ext cx="2817566" cy="2817566"/>
-          </a:xfrm>
-          <a:prstGeom prst="rect">
-            <a:avLst/>
-          </a:prstGeom>
-          <a:noFill/>
-          <a:extLst>
-            <a:ext uri="{909E8E84-426E-40DD-AFC4-6F175D3DCCD1}">
-              <a14:hiddenFill xmlns:a14="http://schemas.microsoft.com/office/drawing/2010/main">
-                <a:solidFill>
-                  <a:srgbClr val="FFFFFF"/>
-                </a:solidFill>
-              </a14:hiddenFill>
-            </a:ext>
-          </a:extLst>
-        </p:spPr>
-      </p:pic>
-      <p:pic>
-        <p:nvPicPr>
-          <p:cNvPr id="2060" name="Picture 12" descr="Calcular el número total de filas al usar LIMIT en MySQL ...">
-            <a:extLst>
-              <a:ext uri="{FF2B5EF4-FFF2-40B4-BE49-F238E27FC236}">
-                <a16:creationId xmlns:a16="http://schemas.microsoft.com/office/drawing/2014/main" id="{5DDB996E-FE9C-43D8-8353-9EE457D12E3F}"/>
-              </a:ext>
-            </a:extLst>
-          </p:cNvPr>
-          <p:cNvPicPr>
-            <a:picLocks noChangeAspect="1" noChangeArrowheads="1"/>
-          </p:cNvPicPr>
-          <p:nvPr/>
-        </p:nvPicPr>
-        <p:blipFill>
-          <a:blip r:embed="rId7">
-            <a:extLst>
-              <a:ext uri="{28A0092B-C50C-407E-A947-70E740481C1C}">
-                <a14:useLocalDpi xmlns:a14="http://schemas.microsoft.com/office/drawing/2010/main" val="0"/>
-              </a:ext>
-            </a:extLst>
-          </a:blip>
-          <a:srcRect/>
-          <a:stretch>
-            <a:fillRect/>
-          </a:stretch>
-        </p:blipFill>
-        <p:spPr bwMode="auto">
-          <a:xfrm>
-            <a:off x="6521450" y="228600"/>
-            <a:ext cx="5429250" cy="2200275"/>
-          </a:xfrm>
-          <a:prstGeom prst="rect">
-            <a:avLst/>
-          </a:prstGeom>
-          <a:noFill/>
-          <a:extLst>
-            <a:ext uri="{909E8E84-426E-40DD-AFC4-6F175D3DCCD1}">
-              <a14:hiddenFill xmlns:a14="http://schemas.microsoft.com/office/drawing/2010/main">
-                <a:solidFill>
-                  <a:srgbClr val="FFFFFF"/>
-                </a:solidFill>
-              </a14:hiddenFill>
-            </a:ext>
-          </a:extLst>
-        </p:spPr>
-      </p:pic>
-      <p:pic>
-        <p:nvPicPr>
-          <p:cNvPr id="2062" name="Picture 14" descr="Un fallo en la base de datos SQLite afecta a millones de apps y a ...">
-            <a:extLst>
-              <a:ext uri="{FF2B5EF4-FFF2-40B4-BE49-F238E27FC236}">
-                <a16:creationId xmlns:a16="http://schemas.microsoft.com/office/drawing/2014/main" id="{55C8CE8E-5BB4-49E1-85AF-837374992F95}"/>
-              </a:ext>
-            </a:extLst>
-          </p:cNvPr>
-          <p:cNvPicPr>
-            <a:picLocks noChangeAspect="1" noChangeArrowheads="1"/>
-          </p:cNvPicPr>
-          <p:nvPr/>
-        </p:nvPicPr>
-        <p:blipFill>
-          <a:blip r:embed="rId8">
-            <a:extLst>
-              <a:ext uri="{28A0092B-C50C-407E-A947-70E740481C1C}">
-                <a14:useLocalDpi xmlns:a14="http://schemas.microsoft.com/office/drawing/2010/main" val="0"/>
-              </a:ext>
-            </a:extLst>
-          </a:blip>
-          <a:srcRect/>
-          <a:stretch>
-            <a:fillRect/>
-          </a:stretch>
-        </p:blipFill>
-        <p:spPr bwMode="auto">
-          <a:xfrm>
-            <a:off x="6521450" y="2517775"/>
-            <a:ext cx="5429250" cy="1995365"/>
-          </a:xfrm>
-          <a:prstGeom prst="rect">
-            <a:avLst/>
-          </a:prstGeom>
-          <a:noFill/>
-          <a:extLst>
-            <a:ext uri="{909E8E84-426E-40DD-AFC4-6F175D3DCCD1}">
-              <a14:hiddenFill xmlns:a14="http://schemas.microsoft.com/office/drawing/2010/main">
-                <a:solidFill>
-                  <a:srgbClr val="FFFFFF"/>
-                </a:solidFill>
-              </a14:hiddenFill>
-            </a:ext>
-          </a:extLst>
-        </p:spPr>
-      </p:pic>
-      <p:pic>
-        <p:nvPicPr>
-          <p:cNvPr id="2064" name="Picture 16" descr="LOGO POSTGRESQL - Play Jigsaw Puzzle for free Puzzle Factory">
-            <a:extLst>
-              <a:ext uri="{FF2B5EF4-FFF2-40B4-BE49-F238E27FC236}">
-                <a16:creationId xmlns:a16="http://schemas.microsoft.com/office/drawing/2014/main" id="{5952D5DE-EAEF-4341-98FB-BDEBEB3DFC1D}"/>
-              </a:ext>
-            </a:extLst>
-          </p:cNvPr>
-          <p:cNvPicPr>
-            <a:picLocks noChangeAspect="1" noChangeArrowheads="1"/>
-          </p:cNvPicPr>
-          <p:nvPr/>
-        </p:nvPicPr>
-        <p:blipFill>
-          <a:blip r:embed="rId9">
-            <a:extLst>
-              <a:ext uri="{28A0092B-C50C-407E-A947-70E740481C1C}">
-                <a14:useLocalDpi xmlns:a14="http://schemas.microsoft.com/office/drawing/2010/main" val="0"/>
-              </a:ext>
-            </a:extLst>
-          </a:blip>
-          <a:srcRect/>
-          <a:stretch>
-            <a:fillRect/>
-          </a:stretch>
-        </p:blipFill>
-        <p:spPr bwMode="auto">
-          <a:xfrm>
-            <a:off x="10160000" y="4639733"/>
-            <a:ext cx="1790700" cy="1989667"/>
-          </a:xfrm>
-          <a:prstGeom prst="rect">
-            <a:avLst/>
-          </a:prstGeom>
-          <a:noFill/>
-          <a:extLst>
-            <a:ext uri="{909E8E84-426E-40DD-AFC4-6F175D3DCCD1}">
-              <a14:hiddenFill xmlns:a14="http://schemas.microsoft.com/office/drawing/2010/main">
-                <a:solidFill>
-                  <a:srgbClr val="FFFFFF"/>
-                </a:solidFill>
-              </a14:hiddenFill>
-            </a:ext>
-          </a:extLst>
-        </p:spPr>
-      </p:pic>
-      <p:pic>
-        <p:nvPicPr>
-          <p:cNvPr id="1026" name="Picture 2" descr="SQL Server on Linux, el evento que no te puedes perder » MuyLinux">
-            <a:extLst>
-              <a:ext uri="{FF2B5EF4-FFF2-40B4-BE49-F238E27FC236}">
-                <a16:creationId xmlns:a16="http://schemas.microsoft.com/office/drawing/2014/main" id="{D223079C-C380-45A6-8E59-75F4FC6E86FB}"/>
-              </a:ext>
-            </a:extLst>
-          </p:cNvPr>
-          <p:cNvPicPr>
-            <a:picLocks noChangeAspect="1" noChangeArrowheads="1"/>
-          </p:cNvPicPr>
-          <p:nvPr/>
-        </p:nvPicPr>
-        <p:blipFill>
-          <a:blip r:embed="rId10">
-            <a:extLst>
-              <a:ext uri="{28A0092B-C50C-407E-A947-70E740481C1C}">
-                <a14:useLocalDpi xmlns:a14="http://schemas.microsoft.com/office/drawing/2010/main" val="0"/>
-              </a:ext>
-            </a:extLst>
-          </a:blip>
-          <a:srcRect/>
-          <a:stretch>
-            <a:fillRect/>
-          </a:stretch>
-        </p:blipFill>
-        <p:spPr bwMode="auto">
-          <a:xfrm>
-            <a:off x="2603830" y="3989680"/>
-            <a:ext cx="3881353" cy="2590767"/>
-          </a:xfrm>
-          <a:prstGeom prst="rect">
-            <a:avLst/>
-          </a:prstGeom>
-          <a:noFill/>
-          <a:extLst>
-            <a:ext uri="{909E8E84-426E-40DD-AFC4-6F175D3DCCD1}">
-              <a14:hiddenFill xmlns:a14="http://schemas.microsoft.com/office/drawing/2010/main">
-                <a:solidFill>
-                  <a:srgbClr val="FFFFFF"/>
-                </a:solidFill>
-              </a14:hiddenFill>
-            </a:ext>
-          </a:extLst>
-        </p:spPr>
-      </p:pic>
-    </p:spTree>
-    <p:extLst>
-      <p:ext uri="{BB962C8B-B14F-4D97-AF65-F5344CB8AC3E}">
-        <p14:creationId xmlns:p14="http://schemas.microsoft.com/office/powerpoint/2010/main" val="4059596123"/>
-      </p:ext>
-    </p:extLst>
-  </p:cSld>
-  <p:clrMapOvr>
-    <a:masterClrMapping/>
-  </p:clrMapOvr>
-</p:sld>
-</file>
-
-<file path=ppt/slides/slide3.xml><?xml version="1.0" encoding="utf-8"?>
-<p:sld xmlns:a="http://schemas.openxmlformats.org/drawingml/2006/main" xmlns:r="http://schemas.openxmlformats.org/officeDocument/2006/relationships" xmlns:p="http://schemas.openxmlformats.org/presentationml/2006/main">
-  <p:cSld>
-    <p:bg>
-      <p:bgPr>
-        <a:blipFill rotWithShape="1">
-          <a:blip r:embed="rId3">
-            <a:duotone>
-              <a:schemeClr val="bg2">
-                <a:shade val="28000"/>
-                <a:satMod val="94000"/>
-                <a:lumMod val="20000"/>
-              </a:schemeClr>
-              <a:schemeClr val="bg2">
-                <a:tint val="94000"/>
-                <a:shade val="84000"/>
-                <a:satMod val="148000"/>
-                <a:lumMod val="114000"/>
-              </a:schemeClr>
-            </a:duotone>
-          </a:blip>
-          <a:stretch/>
-        </a:blipFill>
-        <a:effectLst/>
-      </p:bgPr>
-    </p:bg>
-    <p:spTree>
-      <p:nvGrpSpPr>
-        <p:cNvPr id="1" name=""/>
-        <p:cNvGrpSpPr/>
-        <p:nvPr/>
-      </p:nvGrpSpPr>
-      <p:grpSpPr>
-        <a:xfrm>
-          <a:off x="0" y="0"/>
-          <a:ext cx="0" cy="0"/>
-          <a:chOff x="0" y="0"/>
-          <a:chExt cx="0" cy="0"/>
-        </a:xfrm>
-      </p:grpSpPr>
-      <p:pic>
-        <p:nvPicPr>
-          <p:cNvPr id="8" name="Imagen 7" descr="estudiantes mirando por un microscopio">
-            <a:extLst>
-              <a:ext uri="{FF2B5EF4-FFF2-40B4-BE49-F238E27FC236}">
-                <a16:creationId xmlns:a16="http://schemas.microsoft.com/office/drawing/2014/main" id="{082DAC18-E623-0546-920C-6676DF6BBA3F}"/>
-              </a:ext>
-            </a:extLst>
-          </p:cNvPr>
-          <p:cNvPicPr>
-            <a:picLocks noChangeAspect="1"/>
-          </p:cNvPicPr>
-          <p:nvPr/>
-        </p:nvPicPr>
-        <p:blipFill rotWithShape="1">
-          <a:blip r:embed="rId4" cstate="print">
-            <a:duotone>
-              <a:prstClr val="black"/>
-              <a:schemeClr val="bg1">
-                <a:tint val="45000"/>
-                <a:satMod val="400000"/>
-              </a:schemeClr>
-            </a:duotone>
-            <a:alphaModFix amt="25000"/>
-            <a:extLst>
-              <a:ext uri="{28A0092B-C50C-407E-A947-70E740481C1C}">
-                <a14:useLocalDpi xmlns:a14="http://schemas.microsoft.com/office/drawing/2010/main"/>
-              </a:ext>
-            </a:extLst>
-          </a:blip>
-          <a:srcRect/>
-          <a:stretch/>
-        </p:blipFill>
-        <p:spPr>
-          <a:xfrm>
-            <a:off x="20" y="0"/>
-            <a:ext cx="12191980" cy="6857990"/>
-          </a:xfrm>
-          <a:prstGeom prst="rect">
-            <a:avLst/>
-          </a:prstGeom>
-        </p:spPr>
-      </p:pic>
-      <p:pic>
-        <p:nvPicPr>
-          <p:cNvPr id="3074" name="Picture 2" descr="5+ base de datos NoSql para mejorar la performance de tus aplicaciones">
-            <a:extLst>
-              <a:ext uri="{FF2B5EF4-FFF2-40B4-BE49-F238E27FC236}">
-                <a16:creationId xmlns:a16="http://schemas.microsoft.com/office/drawing/2014/main" id="{D8C2C531-132A-422C-A6C9-5AF8C3479DE4}"/>
-              </a:ext>
-            </a:extLst>
-          </p:cNvPr>
-          <p:cNvPicPr>
-            <a:picLocks noChangeAspect="1" noChangeArrowheads="1"/>
-          </p:cNvPicPr>
-          <p:nvPr/>
-        </p:nvPicPr>
-        <p:blipFill>
-          <a:blip r:embed="rId5">
-            <a:extLst>
-              <a:ext uri="{28A0092B-C50C-407E-A947-70E740481C1C}">
-                <a14:useLocalDpi xmlns:a14="http://schemas.microsoft.com/office/drawing/2010/main" val="0"/>
-              </a:ext>
-            </a:extLst>
-          </a:blip>
-          <a:srcRect/>
-          <a:stretch>
-            <a:fillRect/>
-          </a:stretch>
-        </p:blipFill>
-        <p:spPr bwMode="auto">
-          <a:xfrm>
-            <a:off x="1068575" y="352424"/>
-            <a:ext cx="10054849" cy="5616576"/>
-          </a:xfrm>
-          <a:prstGeom prst="rect">
-            <a:avLst/>
-          </a:prstGeom>
-          <a:noFill/>
-          <a:extLst>
-            <a:ext uri="{909E8E84-426E-40DD-AFC4-6F175D3DCCD1}">
-              <a14:hiddenFill xmlns:a14="http://schemas.microsoft.com/office/drawing/2010/main">
-                <a:solidFill>
-                  <a:srgbClr val="FFFFFF"/>
-                </a:solidFill>
-              </a14:hiddenFill>
-            </a:ext>
-          </a:extLst>
-        </p:spPr>
-      </p:pic>
-    </p:spTree>
-    <p:extLst>
-      <p:ext uri="{BB962C8B-B14F-4D97-AF65-F5344CB8AC3E}">
-        <p14:creationId xmlns:p14="http://schemas.microsoft.com/office/powerpoint/2010/main" val="3288945331"/>
-      </p:ext>
-    </p:extLst>
-  </p:cSld>
-  <p:clrMapOvr>
-    <a:masterClrMapping/>
-  </p:clrMapOvr>
-</p:sld>
-</file>
-
-<file path=ppt/slides/slide4.xml><?xml version="1.0" encoding="utf-8"?>
-<p:sld xmlns:a="http://schemas.openxmlformats.org/drawingml/2006/main" xmlns:r="http://schemas.openxmlformats.org/officeDocument/2006/relationships" xmlns:p="http://schemas.openxmlformats.org/presentationml/2006/main">
-  <p:cSld>
-    <p:bg>
-      <p:bgPr>
-        <a:blipFill rotWithShape="1">
-          <a:blip r:embed="rId3">
-            <a:duotone>
-              <a:schemeClr val="bg2">
-                <a:shade val="28000"/>
-                <a:satMod val="94000"/>
-                <a:lumMod val="20000"/>
-              </a:schemeClr>
-              <a:schemeClr val="bg2">
-                <a:tint val="94000"/>
-                <a:shade val="84000"/>
-                <a:satMod val="148000"/>
-                <a:lumMod val="114000"/>
-              </a:schemeClr>
-            </a:duotone>
-          </a:blip>
-          <a:stretch/>
-        </a:blipFill>
-        <a:effectLst/>
-      </p:bgPr>
-    </p:bg>
-    <p:spTree>
-      <p:nvGrpSpPr>
-        <p:cNvPr id="1" name=""/>
-        <p:cNvGrpSpPr/>
-        <p:nvPr/>
-      </p:nvGrpSpPr>
-      <p:grpSpPr>
-        <a:xfrm>
-          <a:off x="0" y="0"/>
-          <a:ext cx="0" cy="0"/>
-          <a:chOff x="0" y="0"/>
-          <a:chExt cx="0" cy="0"/>
-        </a:xfrm>
-      </p:grpSpPr>
-      <p:pic>
-        <p:nvPicPr>
-          <p:cNvPr id="8" name="Imagen 7" descr="estudiantes mirando por un microscopio">
-            <a:extLst>
-              <a:ext uri="{FF2B5EF4-FFF2-40B4-BE49-F238E27FC236}">
-                <a16:creationId xmlns:a16="http://schemas.microsoft.com/office/drawing/2014/main" id="{082DAC18-E623-0546-920C-6676DF6BBA3F}"/>
-              </a:ext>
-            </a:extLst>
-          </p:cNvPr>
-          <p:cNvPicPr>
-            <a:picLocks noChangeAspect="1"/>
-          </p:cNvPicPr>
-          <p:nvPr/>
-        </p:nvPicPr>
-        <p:blipFill rotWithShape="1">
-          <a:blip r:embed="rId4" cstate="print">
-            <a:duotone>
-              <a:prstClr val="black"/>
-              <a:schemeClr val="bg1">
-                <a:tint val="45000"/>
-                <a:satMod val="400000"/>
-              </a:schemeClr>
-            </a:duotone>
-            <a:alphaModFix amt="25000"/>
-            <a:extLst>
-              <a:ext uri="{28A0092B-C50C-407E-A947-70E740481C1C}">
-                <a14:useLocalDpi xmlns:a14="http://schemas.microsoft.com/office/drawing/2010/main"/>
-              </a:ext>
-            </a:extLst>
-          </a:blip>
-          <a:srcRect/>
-          <a:stretch/>
-        </p:blipFill>
-        <p:spPr>
-          <a:xfrm>
-            <a:off x="1" y="-1"/>
-            <a:ext cx="12192000" cy="6858001"/>
-          </a:xfrm>
-          <a:prstGeom prst="rect">
-            <a:avLst/>
-          </a:prstGeom>
-        </p:spPr>
-      </p:pic>
-      <p:pic>
-        <p:nvPicPr>
-          <p:cNvPr id="1026" name="Picture 2">
-            <a:extLst>
-              <a:ext uri="{FF2B5EF4-FFF2-40B4-BE49-F238E27FC236}">
-                <a16:creationId xmlns:a16="http://schemas.microsoft.com/office/drawing/2014/main" id="{6E7E19A8-1521-46A8-9555-4F743A6842F9}"/>
-              </a:ext>
-            </a:extLst>
-          </p:cNvPr>
-          <p:cNvPicPr>
-            <a:picLocks noChangeAspect="1" noChangeArrowheads="1"/>
-          </p:cNvPicPr>
-          <p:nvPr/>
-        </p:nvPicPr>
-        <p:blipFill>
-          <a:blip r:embed="rId5">
-            <a:extLst>
-              <a:ext uri="{BEBA8EAE-BF5A-486C-A8C5-ECC9F3942E4B}">
-                <a14:imgProps xmlns:a14="http://schemas.microsoft.com/office/drawing/2010/main">
-                  <a14:imgLayer r:embed="rId6">
-                    <a14:imgEffect>
-                      <a14:sharpenSoften amount="50000"/>
-                    </a14:imgEffect>
-                  </a14:imgLayer>
-                </a14:imgProps>
-              </a:ext>
-              <a:ext uri="{28A0092B-C50C-407E-A947-70E740481C1C}">
-                <a14:useLocalDpi xmlns:a14="http://schemas.microsoft.com/office/drawing/2010/main" val="0"/>
-              </a:ext>
-            </a:extLst>
-          </a:blip>
-          <a:srcRect/>
-          <a:stretch>
-            <a:fillRect/>
-          </a:stretch>
-        </p:blipFill>
-        <p:spPr bwMode="auto">
-          <a:xfrm>
-            <a:off x="2217738" y="120654"/>
-            <a:ext cx="8047326" cy="6616691"/>
-          </a:xfrm>
-          <a:prstGeom prst="rect">
-            <a:avLst/>
-          </a:prstGeom>
-          <a:noFill/>
-          <a:extLst>
-            <a:ext uri="{909E8E84-426E-40DD-AFC4-6F175D3DCCD1}">
-              <a14:hiddenFill xmlns:a14="http://schemas.microsoft.com/office/drawing/2010/main">
-                <a:solidFill>
-                  <a:srgbClr val="FFFFFF"/>
-                </a:solidFill>
-              </a14:hiddenFill>
-            </a:ext>
-          </a:extLst>
-        </p:spPr>
-      </p:pic>
-    </p:spTree>
-    <p:extLst>
-      <p:ext uri="{BB962C8B-B14F-4D97-AF65-F5344CB8AC3E}">
-        <p14:creationId xmlns:p14="http://schemas.microsoft.com/office/powerpoint/2010/main" val="3806153242"/>
       </p:ext>
     </p:extLst>
   </p:cSld>
@@ -8301,6 +7372,14 @@
 </file>
 
 <file path=customXml/item1.xml><?xml version="1.0" encoding="utf-8"?>
+<p:properties xmlns:p="http://schemas.microsoft.com/office/2006/metadata/properties" xmlns:xsi="http://www.w3.org/2001/XMLSchema-instance" xmlns:pc="http://schemas.microsoft.com/office/infopath/2007/PartnerControls">
+  <documentManagement>
+    <MediaServiceKeyPoints xmlns="71af3243-3dd4-4a8d-8c0d-dd76da1f02a5" xsi:nil="true"/>
+  </documentManagement>
+</p:properties>
+</file>
+
+<file path=customXml/item2.xml><?xml version="1.0" encoding="utf-8"?>
 <ct:contentTypeSchema xmlns:ct="http://schemas.microsoft.com/office/2006/metadata/contentType" xmlns:ma="http://schemas.microsoft.com/office/2006/metadata/properties/metaAttributes" ct:_="" ma:_="" ma:contentTypeName="Document" ma:contentTypeID="0x01010079F111ED35F8CC479449609E8A0923A6" ma:contentTypeVersion="11" ma:contentTypeDescription="Create a new document." ma:contentTypeScope="" ma:versionID="dc7352e55e77714fab0739bd1a2ce122">
   <xsd:schema xmlns:xsd="http://www.w3.org/2001/XMLSchema" xmlns:xs="http://www.w3.org/2001/XMLSchema" xmlns:p="http://schemas.microsoft.com/office/2006/metadata/properties" xmlns:ns2="71af3243-3dd4-4a8d-8c0d-dd76da1f02a5" xmlns:ns3="16c05727-aa75-4e4a-9b5f-8a80a1165891" targetNamespace="http://schemas.microsoft.com/office/2006/metadata/properties" ma:root="true" ma:fieldsID="b47b806cf7e90fe7257fa1ff83c741bf" ns2:_="" ns3:_="">
     <xsd:import namespace="71af3243-3dd4-4a8d-8c0d-dd76da1f02a5"/>
@@ -8511,7 +7590,7 @@
 </ct:contentTypeSchema>
 </file>
 
-<file path=customXml/item2.xml><?xml version="1.0" encoding="utf-8"?>
+<file path=customXml/item3.xml><?xml version="1.0" encoding="utf-8"?>
 <?mso-contentType ?>
 <FormTemplates xmlns="http://schemas.microsoft.com/sharepoint/v3/contenttype/forms">
   <Display>DocumentLibraryForm</Display>
@@ -8520,15 +7599,17 @@
 </FormTemplates>
 </file>
 
-<file path=customXml/item3.xml><?xml version="1.0" encoding="utf-8"?>
-<p:properties xmlns:p="http://schemas.microsoft.com/office/2006/metadata/properties" xmlns:xsi="http://www.w3.org/2001/XMLSchema-instance" xmlns:pc="http://schemas.microsoft.com/office/infopath/2007/PartnerControls">
-  <documentManagement>
-    <MediaServiceKeyPoints xmlns="71af3243-3dd4-4a8d-8c0d-dd76da1f02a5" xsi:nil="true"/>
-  </documentManagement>
-</p:properties>
+<file path=customXml/itemProps1.xml><?xml version="1.0" encoding="utf-8"?>
+<ds:datastoreItem xmlns:ds="http://schemas.openxmlformats.org/officeDocument/2006/customXml" ds:itemID="{DBA0466F-55BA-4B4C-B910-3BFE9417EB92}">
+  <ds:schemaRefs>
+    <ds:schemaRef ds:uri="http://schemas.microsoft.com/office/2006/metadata/properties"/>
+    <ds:schemaRef ds:uri="http://schemas.microsoft.com/office/infopath/2007/PartnerControls"/>
+    <ds:schemaRef ds:uri="71af3243-3dd4-4a8d-8c0d-dd76da1f02a5"/>
+  </ds:schemaRefs>
+</ds:datastoreItem>
 </file>
 
-<file path=customXml/itemProps1.xml><?xml version="1.0" encoding="utf-8"?>
+<file path=customXml/itemProps2.xml><?xml version="1.0" encoding="utf-8"?>
 <ds:datastoreItem xmlns:ds="http://schemas.openxmlformats.org/officeDocument/2006/customXml" ds:itemID="{F13075A8-A5B0-4ED9-ACD9-B97630E65A2D}">
   <ds:schemaRefs>
     <ds:schemaRef ds:uri="http://schemas.microsoft.com/office/2006/metadata/contentType"/>
@@ -8547,20 +7628,10 @@
 </ds:datastoreItem>
 </file>
 
-<file path=customXml/itemProps2.xml><?xml version="1.0" encoding="utf-8"?>
+<file path=customXml/itemProps3.xml><?xml version="1.0" encoding="utf-8"?>
 <ds:datastoreItem xmlns:ds="http://schemas.openxmlformats.org/officeDocument/2006/customXml" ds:itemID="{07235EAC-5FEE-4CF4-B627-4AC327BD042D}">
   <ds:schemaRefs>
     <ds:schemaRef ds:uri="http://schemas.microsoft.com/sharepoint/v3/contenttype/forms"/>
   </ds:schemaRefs>
 </ds:datastoreItem>
-</file>
-
-<file path=customXml/itemProps3.xml><?xml version="1.0" encoding="utf-8"?>
-<ds:datastoreItem xmlns:ds="http://schemas.openxmlformats.org/officeDocument/2006/customXml" ds:itemID="{DBA0466F-55BA-4B4C-B910-3BFE9417EB92}">
-  <ds:schemaRefs>
-    <ds:schemaRef ds:uri="http://schemas.microsoft.com/office/2006/metadata/properties"/>
-    <ds:schemaRef ds:uri="http://schemas.microsoft.com/office/infopath/2007/PartnerControls"/>
-    <ds:schemaRef ds:uri="71af3243-3dd4-4a8d-8c0d-dd76da1f02a5"/>
-  </ds:schemaRefs>
-</ds:datastoreItem>
 </file>